--- a/test.pptx
+++ b/test.pptx
@@ -7,6 +7,9 @@
   <p:sldIdLst>
     <p:sldId id="256" r:id="rId7"/>
     <p:sldId id="257" r:id="rId8"/>
+    <p:sldId id="258" r:id="rId9"/>
+    <p:sldId id="259" r:id="rId10"/>
+    <p:sldId id="260" r:id="rId11"/>
   </p:sldIdLst>
   <p:sldSz cx="9144000" cy="6858000" type="screen4x3"/>
   <p:notesSz cx="6858000" cy="9144000"/>
@@ -3163,11 +3166,7 @@
         <p:txBody>
           <a:bodyPr/>
           <a:lstStyle/>
-          <a:p>
-            <a:r>
-              <a:t>Image</a:t>
-            </a:r>
-          </a:p>
+          <a:p/>
         </p:txBody>
       </p:sp>
       <p:sp>
@@ -3201,7 +3200,7 @@
       </p:sp>
       <p:pic>
         <p:nvPicPr>
-          <p:cNvPr id="5" name="Picture 4" descr="ipad.jpg"/>
+          <p:cNvPr id="5" name="Picture 4" descr="bg.jpg"/>
           <p:cNvPicPr>
             <a:picLocks noChangeAspect="1"/>
           </p:cNvPicPr>
@@ -3217,6 +3216,894 @@
           <a:xfrm>
             <a:off x="0" y="0"/>
             <a:ext cx="9144000" cy="6858000"/>
+          </a:xfrm>
+          <a:prstGeom prst="rect">
+            <a:avLst/>
+          </a:prstGeom>
+        </p:spPr>
+      </p:pic>
+      <p:pic>
+        <p:nvPicPr>
+          <p:cNvPr id="6" name="Picture 5" descr="1.png"/>
+          <p:cNvPicPr>
+            <a:picLocks noChangeAspect="1"/>
+          </p:cNvPicPr>
+          <p:nvPr/>
+        </p:nvPicPr>
+        <p:blipFill>
+          <a:blip r:embed="rId3"/>
+          <a:stretch>
+            <a:fillRect/>
+          </a:stretch>
+        </p:blipFill>
+        <p:spPr>
+          <a:xfrm>
+            <a:off x="737235" y="497204"/>
+            <a:ext cx="5006340" cy="1131570"/>
+          </a:xfrm>
+          <a:prstGeom prst="rect">
+            <a:avLst/>
+          </a:prstGeom>
+        </p:spPr>
+      </p:pic>
+      <p:pic>
+        <p:nvPicPr>
+          <p:cNvPr id="7" name="Picture 6" descr="2.png"/>
+          <p:cNvPicPr>
+            <a:picLocks noChangeAspect="1"/>
+          </p:cNvPicPr>
+          <p:nvPr/>
+        </p:nvPicPr>
+        <p:blipFill>
+          <a:blip r:embed="rId4"/>
+          <a:stretch>
+            <a:fillRect/>
+          </a:stretch>
+        </p:blipFill>
+        <p:spPr>
+          <a:xfrm>
+            <a:off x="771525" y="4200525"/>
+            <a:ext cx="3360420" cy="891540"/>
+          </a:xfrm>
+          <a:prstGeom prst="rect">
+            <a:avLst/>
+          </a:prstGeom>
+        </p:spPr>
+      </p:pic>
+      <p:pic>
+        <p:nvPicPr>
+          <p:cNvPr id="8" name="Picture 7" descr="3.png"/>
+          <p:cNvPicPr>
+            <a:picLocks noChangeAspect="1"/>
+          </p:cNvPicPr>
+          <p:nvPr/>
+        </p:nvPicPr>
+        <p:blipFill>
+          <a:blip r:embed="rId5"/>
+          <a:stretch>
+            <a:fillRect/>
+          </a:stretch>
+        </p:blipFill>
+        <p:spPr>
+          <a:xfrm>
+            <a:off x="771525" y="5194935"/>
+            <a:ext cx="1337310" cy="1097280"/>
+          </a:xfrm>
+          <a:prstGeom prst="rect">
+            <a:avLst/>
+          </a:prstGeom>
+        </p:spPr>
+      </p:pic>
+      <p:pic>
+        <p:nvPicPr>
+          <p:cNvPr id="9" name="Picture 8" descr="4.png"/>
+          <p:cNvPicPr>
+            <a:picLocks noChangeAspect="1"/>
+          </p:cNvPicPr>
+          <p:nvPr/>
+        </p:nvPicPr>
+        <p:blipFill>
+          <a:blip r:embed="rId6"/>
+          <a:stretch>
+            <a:fillRect/>
+          </a:stretch>
+        </p:blipFill>
+        <p:spPr>
+          <a:xfrm>
+            <a:off x="1937384" y="5366385"/>
+            <a:ext cx="1645920" cy="205740"/>
+          </a:xfrm>
+          <a:prstGeom prst="rect">
+            <a:avLst/>
+          </a:prstGeom>
+        </p:spPr>
+      </p:pic>
+      <p:pic>
+        <p:nvPicPr>
+          <p:cNvPr id="10" name="Picture 9" descr="5.png"/>
+          <p:cNvPicPr>
+            <a:picLocks noChangeAspect="1"/>
+          </p:cNvPicPr>
+          <p:nvPr/>
+        </p:nvPicPr>
+        <p:blipFill>
+          <a:blip r:embed="rId7"/>
+          <a:stretch>
+            <a:fillRect/>
+          </a:stretch>
+        </p:blipFill>
+        <p:spPr>
+          <a:xfrm>
+            <a:off x="3789045" y="1800225"/>
+            <a:ext cx="2880360" cy="891540"/>
+          </a:xfrm>
+          <a:prstGeom prst="rect">
+            <a:avLst/>
+          </a:prstGeom>
+        </p:spPr>
+      </p:pic>
+      <p:pic>
+        <p:nvPicPr>
+          <p:cNvPr id="11" name="Picture 10" descr="6.png"/>
+          <p:cNvPicPr>
+            <a:picLocks noChangeAspect="1"/>
+          </p:cNvPicPr>
+          <p:nvPr/>
+        </p:nvPicPr>
+        <p:blipFill>
+          <a:blip r:embed="rId8"/>
+          <a:stretch>
+            <a:fillRect/>
+          </a:stretch>
+        </p:blipFill>
+        <p:spPr>
+          <a:xfrm>
+            <a:off x="5777865" y="634365"/>
+            <a:ext cx="2914650" cy="960120"/>
+          </a:xfrm>
+          <a:prstGeom prst="rect">
+            <a:avLst/>
+          </a:prstGeom>
+        </p:spPr>
+      </p:pic>
+      <p:pic>
+        <p:nvPicPr>
+          <p:cNvPr id="12" name="Picture 11" descr="7.png"/>
+          <p:cNvPicPr>
+            <a:picLocks noChangeAspect="1"/>
+          </p:cNvPicPr>
+          <p:nvPr/>
+        </p:nvPicPr>
+        <p:blipFill>
+          <a:blip r:embed="rId9"/>
+          <a:stretch>
+            <a:fillRect/>
+          </a:stretch>
+        </p:blipFill>
+        <p:spPr>
+          <a:xfrm>
+            <a:off x="6360795" y="3857625"/>
+            <a:ext cx="2160270" cy="2708910"/>
+          </a:xfrm>
+          <a:prstGeom prst="rect">
+            <a:avLst/>
+          </a:prstGeom>
+        </p:spPr>
+      </p:pic>
+    </p:spTree>
+  </p:cSld>
+  <p:clrMapOvr>
+    <a:masterClrMapping/>
+  </p:clrMapOvr>
+</p:sld>
+</file>
+
+<file path=ppt/slides/slide3.xml><?xml version="1.0" encoding="utf-8"?>
+<p:sld xmlns:a="http://schemas.openxmlformats.org/drawingml/2006/main" xmlns:p="http://schemas.openxmlformats.org/presentationml/2006/main" xmlns:r="http://schemas.openxmlformats.org/officeDocument/2006/relationships">
+  <p:cSld>
+    <p:spTree>
+      <p:nvGrpSpPr>
+        <p:cNvPr id="1" name=""/>
+        <p:cNvGrpSpPr/>
+        <p:nvPr/>
+      </p:nvGrpSpPr>
+      <p:grpSpPr/>
+      <p:sp>
+        <p:nvSpPr>
+          <p:cNvPr id="2" name="Title 1"/>
+          <p:cNvSpPr>
+            <a:spLocks noGrp="1"/>
+          </p:cNvSpPr>
+          <p:nvPr>
+            <p:ph type="title"/>
+          </p:nvPr>
+        </p:nvSpPr>
+        <p:spPr/>
+        <p:txBody>
+          <a:bodyPr/>
+          <a:lstStyle/>
+          <a:p/>
+        </p:txBody>
+      </p:sp>
+      <p:sp>
+        <p:nvSpPr>
+          <p:cNvPr id="3" name="Picture Placeholder 2"/>
+          <p:cNvSpPr>
+            <a:spLocks noGrp="1"/>
+          </p:cNvSpPr>
+          <p:nvPr>
+            <p:ph type="pic" idx="1"/>
+          </p:nvPr>
+        </p:nvSpPr>
+        <p:spPr/>
+      </p:sp>
+      <p:sp>
+        <p:nvSpPr>
+          <p:cNvPr id="4" name="Text Placeholder 3"/>
+          <p:cNvSpPr>
+            <a:spLocks noGrp="1"/>
+          </p:cNvSpPr>
+          <p:nvPr>
+            <p:ph type="body" idx="2" sz="half"/>
+          </p:nvPr>
+        </p:nvSpPr>
+        <p:spPr/>
+        <p:txBody>
+          <a:bodyPr/>
+          <a:lstStyle/>
+          <a:p/>
+        </p:txBody>
+      </p:sp>
+      <p:pic>
+        <p:nvPicPr>
+          <p:cNvPr id="5" name="Picture 4" descr="bg.jpg"/>
+          <p:cNvPicPr>
+            <a:picLocks noChangeAspect="1"/>
+          </p:cNvPicPr>
+          <p:nvPr/>
+        </p:nvPicPr>
+        <p:blipFill>
+          <a:blip r:embed="rId2"/>
+          <a:stretch>
+            <a:fillRect/>
+          </a:stretch>
+        </p:blipFill>
+        <p:spPr>
+          <a:xfrm>
+            <a:off x="0" y="0"/>
+            <a:ext cx="9144000" cy="6858000"/>
+          </a:xfrm>
+          <a:prstGeom prst="rect">
+            <a:avLst/>
+          </a:prstGeom>
+        </p:spPr>
+      </p:pic>
+      <p:pic>
+        <p:nvPicPr>
+          <p:cNvPr id="6" name="Picture 5" descr="1.png"/>
+          <p:cNvPicPr>
+            <a:picLocks noChangeAspect="1"/>
+          </p:cNvPicPr>
+          <p:nvPr/>
+        </p:nvPicPr>
+        <p:blipFill>
+          <a:blip r:embed="rId3"/>
+          <a:stretch>
+            <a:fillRect/>
+          </a:stretch>
+        </p:blipFill>
+        <p:spPr>
+          <a:xfrm>
+            <a:off x="462915" y="2657475"/>
+            <a:ext cx="4834890" cy="925830"/>
+          </a:xfrm>
+          <a:prstGeom prst="rect">
+            <a:avLst/>
+          </a:prstGeom>
+        </p:spPr>
+      </p:pic>
+      <p:pic>
+        <p:nvPicPr>
+          <p:cNvPr id="7" name="Picture 6" descr="2.png"/>
+          <p:cNvPicPr>
+            <a:picLocks noChangeAspect="1"/>
+          </p:cNvPicPr>
+          <p:nvPr/>
+        </p:nvPicPr>
+        <p:blipFill>
+          <a:blip r:embed="rId4"/>
+          <a:stretch>
+            <a:fillRect/>
+          </a:stretch>
+        </p:blipFill>
+        <p:spPr>
+          <a:xfrm>
+            <a:off x="497204" y="1697355"/>
+            <a:ext cx="5006340" cy="822960"/>
+          </a:xfrm>
+          <a:prstGeom prst="rect">
+            <a:avLst/>
+          </a:prstGeom>
+        </p:spPr>
+      </p:pic>
+    </p:spTree>
+  </p:cSld>
+  <p:clrMapOvr>
+    <a:masterClrMapping/>
+  </p:clrMapOvr>
+</p:sld>
+</file>
+
+<file path=ppt/slides/slide4.xml><?xml version="1.0" encoding="utf-8"?>
+<p:sld xmlns:a="http://schemas.openxmlformats.org/drawingml/2006/main" xmlns:p="http://schemas.openxmlformats.org/presentationml/2006/main" xmlns:r="http://schemas.openxmlformats.org/officeDocument/2006/relationships">
+  <p:cSld>
+    <p:spTree>
+      <p:nvGrpSpPr>
+        <p:cNvPr id="1" name=""/>
+        <p:cNvGrpSpPr/>
+        <p:nvPr/>
+      </p:nvGrpSpPr>
+      <p:grpSpPr/>
+      <p:sp>
+        <p:nvSpPr>
+          <p:cNvPr id="2" name="Title 1"/>
+          <p:cNvSpPr>
+            <a:spLocks noGrp="1"/>
+          </p:cNvSpPr>
+          <p:nvPr>
+            <p:ph type="title"/>
+          </p:nvPr>
+        </p:nvSpPr>
+        <p:spPr/>
+        <p:txBody>
+          <a:bodyPr/>
+          <a:lstStyle/>
+          <a:p/>
+        </p:txBody>
+      </p:sp>
+      <p:sp>
+        <p:nvSpPr>
+          <p:cNvPr id="3" name="Picture Placeholder 2"/>
+          <p:cNvSpPr>
+            <a:spLocks noGrp="1"/>
+          </p:cNvSpPr>
+          <p:nvPr>
+            <p:ph type="pic" idx="1"/>
+          </p:nvPr>
+        </p:nvSpPr>
+        <p:spPr/>
+      </p:sp>
+      <p:sp>
+        <p:nvSpPr>
+          <p:cNvPr id="4" name="Text Placeholder 3"/>
+          <p:cNvSpPr>
+            <a:spLocks noGrp="1"/>
+          </p:cNvSpPr>
+          <p:nvPr>
+            <p:ph type="body" idx="2" sz="half"/>
+          </p:nvPr>
+        </p:nvSpPr>
+        <p:spPr/>
+        <p:txBody>
+          <a:bodyPr/>
+          <a:lstStyle/>
+          <a:p/>
+        </p:txBody>
+      </p:sp>
+      <p:pic>
+        <p:nvPicPr>
+          <p:cNvPr id="5" name="Picture 4" descr="bg.jpg"/>
+          <p:cNvPicPr>
+            <a:picLocks noChangeAspect="1"/>
+          </p:cNvPicPr>
+          <p:nvPr/>
+        </p:nvPicPr>
+        <p:blipFill>
+          <a:blip r:embed="rId2"/>
+          <a:stretch>
+            <a:fillRect/>
+          </a:stretch>
+        </p:blipFill>
+        <p:spPr>
+          <a:xfrm>
+            <a:off x="0" y="0"/>
+            <a:ext cx="9144000" cy="6858000"/>
+          </a:xfrm>
+          <a:prstGeom prst="rect">
+            <a:avLst/>
+          </a:prstGeom>
+        </p:spPr>
+      </p:pic>
+      <p:pic>
+        <p:nvPicPr>
+          <p:cNvPr id="6" name="Picture 5" descr="1.png"/>
+          <p:cNvPicPr>
+            <a:picLocks noChangeAspect="1"/>
+          </p:cNvPicPr>
+          <p:nvPr/>
+        </p:nvPicPr>
+        <p:blipFill>
+          <a:blip r:embed="rId3"/>
+          <a:stretch>
+            <a:fillRect/>
+          </a:stretch>
+        </p:blipFill>
+        <p:spPr>
+          <a:xfrm>
+            <a:off x="702945" y="600075"/>
+            <a:ext cx="3703320" cy="720090"/>
+          </a:xfrm>
+          <a:prstGeom prst="rect">
+            <a:avLst/>
+          </a:prstGeom>
+        </p:spPr>
+      </p:pic>
+      <p:pic>
+        <p:nvPicPr>
+          <p:cNvPr id="7" name="Picture 6" descr="2.png"/>
+          <p:cNvPicPr>
+            <a:picLocks noChangeAspect="1"/>
+          </p:cNvPicPr>
+          <p:nvPr/>
+        </p:nvPicPr>
+        <p:blipFill>
+          <a:blip r:embed="rId4"/>
+          <a:stretch>
+            <a:fillRect/>
+          </a:stretch>
+        </p:blipFill>
+        <p:spPr>
+          <a:xfrm>
+            <a:off x="702945" y="2005964"/>
+            <a:ext cx="4800600" cy="377190"/>
+          </a:xfrm>
+          <a:prstGeom prst="rect">
+            <a:avLst/>
+          </a:prstGeom>
+        </p:spPr>
+      </p:pic>
+      <p:pic>
+        <p:nvPicPr>
+          <p:cNvPr id="8" name="Picture 7" descr="3.png"/>
+          <p:cNvPicPr>
+            <a:picLocks noChangeAspect="1"/>
+          </p:cNvPicPr>
+          <p:nvPr/>
+        </p:nvPicPr>
+        <p:blipFill>
+          <a:blip r:embed="rId5"/>
+          <a:stretch>
+            <a:fillRect/>
+          </a:stretch>
+        </p:blipFill>
+        <p:spPr>
+          <a:xfrm>
+            <a:off x="702945" y="5092065"/>
+            <a:ext cx="4800600" cy="582930"/>
+          </a:xfrm>
+          <a:prstGeom prst="rect">
+            <a:avLst/>
+          </a:prstGeom>
+        </p:spPr>
+      </p:pic>
+      <p:pic>
+        <p:nvPicPr>
+          <p:cNvPr id="9" name="Picture 8" descr="4.png"/>
+          <p:cNvPicPr>
+            <a:picLocks noChangeAspect="1"/>
+          </p:cNvPicPr>
+          <p:nvPr/>
+        </p:nvPicPr>
+        <p:blipFill>
+          <a:blip r:embed="rId6"/>
+          <a:stretch>
+            <a:fillRect/>
+          </a:stretch>
+        </p:blipFill>
+        <p:spPr>
+          <a:xfrm>
+            <a:off x="1251585" y="5674995"/>
+            <a:ext cx="3051810" cy="445770"/>
+          </a:xfrm>
+          <a:prstGeom prst="rect">
+            <a:avLst/>
+          </a:prstGeom>
+        </p:spPr>
+      </p:pic>
+      <p:pic>
+        <p:nvPicPr>
+          <p:cNvPr id="10" name="Picture 9" descr="5.png"/>
+          <p:cNvPicPr>
+            <a:picLocks noChangeAspect="1"/>
+          </p:cNvPicPr>
+          <p:nvPr/>
+        </p:nvPicPr>
+        <p:blipFill>
+          <a:blip r:embed="rId7"/>
+          <a:stretch>
+            <a:fillRect/>
+          </a:stretch>
+        </p:blipFill>
+        <p:spPr>
+          <a:xfrm>
+            <a:off x="1457325" y="3514724"/>
+            <a:ext cx="5657850" cy="1268730"/>
+          </a:xfrm>
+          <a:prstGeom prst="rect">
+            <a:avLst/>
+          </a:prstGeom>
+        </p:spPr>
+      </p:pic>
+      <p:pic>
+        <p:nvPicPr>
+          <p:cNvPr id="11" name="Picture 10" descr="6.png"/>
+          <p:cNvPicPr>
+            <a:picLocks noChangeAspect="1"/>
+          </p:cNvPicPr>
+          <p:nvPr/>
+        </p:nvPicPr>
+        <p:blipFill>
+          <a:blip r:embed="rId8"/>
+          <a:stretch>
+            <a:fillRect/>
+          </a:stretch>
+        </p:blipFill>
+        <p:spPr>
+          <a:xfrm>
+            <a:off x="1525905" y="2588895"/>
+            <a:ext cx="5212080" cy="651510"/>
+          </a:xfrm>
+          <a:prstGeom prst="rect">
+            <a:avLst/>
+          </a:prstGeom>
+        </p:spPr>
+      </p:pic>
+    </p:spTree>
+  </p:cSld>
+  <p:clrMapOvr>
+    <a:masterClrMapping/>
+  </p:clrMapOvr>
+</p:sld>
+</file>
+
+<file path=ppt/slides/slide5.xml><?xml version="1.0" encoding="utf-8"?>
+<p:sld xmlns:a="http://schemas.openxmlformats.org/drawingml/2006/main" xmlns:p="http://schemas.openxmlformats.org/presentationml/2006/main" xmlns:r="http://schemas.openxmlformats.org/officeDocument/2006/relationships">
+  <p:cSld>
+    <p:spTree>
+      <p:nvGrpSpPr>
+        <p:cNvPr id="1" name=""/>
+        <p:cNvGrpSpPr/>
+        <p:nvPr/>
+      </p:nvGrpSpPr>
+      <p:grpSpPr/>
+      <p:sp>
+        <p:nvSpPr>
+          <p:cNvPr id="2" name="Title 1"/>
+          <p:cNvSpPr>
+            <a:spLocks noGrp="1"/>
+          </p:cNvSpPr>
+          <p:nvPr>
+            <p:ph type="title"/>
+          </p:nvPr>
+        </p:nvSpPr>
+        <p:spPr/>
+        <p:txBody>
+          <a:bodyPr/>
+          <a:lstStyle/>
+          <a:p/>
+        </p:txBody>
+      </p:sp>
+      <p:sp>
+        <p:nvSpPr>
+          <p:cNvPr id="3" name="Picture Placeholder 2"/>
+          <p:cNvSpPr>
+            <a:spLocks noGrp="1"/>
+          </p:cNvSpPr>
+          <p:nvPr>
+            <p:ph type="pic" idx="1"/>
+          </p:nvPr>
+        </p:nvSpPr>
+        <p:spPr/>
+      </p:sp>
+      <p:sp>
+        <p:nvSpPr>
+          <p:cNvPr id="4" name="Text Placeholder 3"/>
+          <p:cNvSpPr>
+            <a:spLocks noGrp="1"/>
+          </p:cNvSpPr>
+          <p:nvPr>
+            <p:ph type="body" idx="2" sz="half"/>
+          </p:nvPr>
+        </p:nvSpPr>
+        <p:spPr/>
+        <p:txBody>
+          <a:bodyPr/>
+          <a:lstStyle/>
+          <a:p/>
+        </p:txBody>
+      </p:sp>
+      <p:pic>
+        <p:nvPicPr>
+          <p:cNvPr id="5" name="Picture 4" descr="bg.jpg"/>
+          <p:cNvPicPr>
+            <a:picLocks noChangeAspect="1"/>
+          </p:cNvPicPr>
+          <p:nvPr/>
+        </p:nvPicPr>
+        <p:blipFill>
+          <a:blip r:embed="rId2"/>
+          <a:stretch>
+            <a:fillRect/>
+          </a:stretch>
+        </p:blipFill>
+        <p:spPr>
+          <a:xfrm>
+            <a:off x="0" y="0"/>
+            <a:ext cx="9144000" cy="6858000"/>
+          </a:xfrm>
+          <a:prstGeom prst="rect">
+            <a:avLst/>
+          </a:prstGeom>
+        </p:spPr>
+      </p:pic>
+      <p:pic>
+        <p:nvPicPr>
+          <p:cNvPr id="6" name="Picture 5" descr="1.png"/>
+          <p:cNvPicPr>
+            <a:picLocks noChangeAspect="1"/>
+          </p:cNvPicPr>
+          <p:nvPr/>
+        </p:nvPicPr>
+        <p:blipFill>
+          <a:blip r:embed="rId3"/>
+          <a:stretch>
+            <a:fillRect/>
+          </a:stretch>
+        </p:blipFill>
+        <p:spPr>
+          <a:xfrm>
+            <a:off x="668655" y="805815"/>
+            <a:ext cx="5212080" cy="720090"/>
+          </a:xfrm>
+          <a:prstGeom prst="rect">
+            <a:avLst/>
+          </a:prstGeom>
+        </p:spPr>
+      </p:pic>
+      <p:pic>
+        <p:nvPicPr>
+          <p:cNvPr id="7" name="Picture 6" descr="2.png"/>
+          <p:cNvPicPr>
+            <a:picLocks noChangeAspect="1"/>
+          </p:cNvPicPr>
+          <p:nvPr/>
+        </p:nvPicPr>
+        <p:blipFill>
+          <a:blip r:embed="rId4"/>
+          <a:stretch>
+            <a:fillRect/>
+          </a:stretch>
+        </p:blipFill>
+        <p:spPr>
+          <a:xfrm>
+            <a:off x="668655" y="4440555"/>
+            <a:ext cx="2331720" cy="411480"/>
+          </a:xfrm>
+          <a:prstGeom prst="rect">
+            <a:avLst/>
+          </a:prstGeom>
+        </p:spPr>
+      </p:pic>
+      <p:pic>
+        <p:nvPicPr>
+          <p:cNvPr id="8" name="Picture 7" descr="3.png"/>
+          <p:cNvPicPr>
+            <a:picLocks noChangeAspect="1"/>
+          </p:cNvPicPr>
+          <p:nvPr/>
+        </p:nvPicPr>
+        <p:blipFill>
+          <a:blip r:embed="rId5"/>
+          <a:stretch>
+            <a:fillRect/>
+          </a:stretch>
+        </p:blipFill>
+        <p:spPr>
+          <a:xfrm>
+            <a:off x="668655" y="4989195"/>
+            <a:ext cx="2366010" cy="480060"/>
+          </a:xfrm>
+          <a:prstGeom prst="rect">
+            <a:avLst/>
+          </a:prstGeom>
+        </p:spPr>
+      </p:pic>
+      <p:pic>
+        <p:nvPicPr>
+          <p:cNvPr id="9" name="Picture 8" descr="4.png"/>
+          <p:cNvPicPr>
+            <a:picLocks noChangeAspect="1"/>
+          </p:cNvPicPr>
+          <p:nvPr/>
+        </p:nvPicPr>
+        <p:blipFill>
+          <a:blip r:embed="rId6"/>
+          <a:stretch>
+            <a:fillRect/>
+          </a:stretch>
+        </p:blipFill>
+        <p:spPr>
+          <a:xfrm>
+            <a:off x="702945" y="2245995"/>
+            <a:ext cx="1474470" cy="1954529"/>
+          </a:xfrm>
+          <a:prstGeom prst="rect">
+            <a:avLst/>
+          </a:prstGeom>
+        </p:spPr>
+      </p:pic>
+      <p:pic>
+        <p:nvPicPr>
+          <p:cNvPr id="10" name="Picture 9" descr="5.png"/>
+          <p:cNvPicPr>
+            <a:picLocks noChangeAspect="1"/>
+          </p:cNvPicPr>
+          <p:nvPr/>
+        </p:nvPicPr>
+        <p:blipFill>
+          <a:blip r:embed="rId7"/>
+          <a:stretch>
+            <a:fillRect/>
+          </a:stretch>
+        </p:blipFill>
+        <p:spPr>
+          <a:xfrm>
+            <a:off x="3171825" y="2280285"/>
+            <a:ext cx="1748790" cy="1920240"/>
+          </a:xfrm>
+          <a:prstGeom prst="rect">
+            <a:avLst/>
+          </a:prstGeom>
+        </p:spPr>
+      </p:pic>
+      <p:pic>
+        <p:nvPicPr>
+          <p:cNvPr id="11" name="Picture 10" descr="6.png"/>
+          <p:cNvPicPr>
+            <a:picLocks noChangeAspect="1"/>
+          </p:cNvPicPr>
+          <p:nvPr/>
+        </p:nvPicPr>
+        <p:blipFill>
+          <a:blip r:embed="rId8"/>
+          <a:stretch>
+            <a:fillRect/>
+          </a:stretch>
+        </p:blipFill>
+        <p:spPr>
+          <a:xfrm>
+            <a:off x="3274695" y="4954905"/>
+            <a:ext cx="2743200" cy="1028700"/>
+          </a:xfrm>
+          <a:prstGeom prst="rect">
+            <a:avLst/>
+          </a:prstGeom>
+        </p:spPr>
+      </p:pic>
+      <p:pic>
+        <p:nvPicPr>
+          <p:cNvPr id="12" name="Picture 11" descr="7.png"/>
+          <p:cNvPicPr>
+            <a:picLocks noChangeAspect="1"/>
+          </p:cNvPicPr>
+          <p:nvPr/>
+        </p:nvPicPr>
+        <p:blipFill>
+          <a:blip r:embed="rId9"/>
+          <a:stretch>
+            <a:fillRect/>
+          </a:stretch>
+        </p:blipFill>
+        <p:spPr>
+          <a:xfrm>
+            <a:off x="3308985" y="4406265"/>
+            <a:ext cx="2777490" cy="514350"/>
+          </a:xfrm>
+          <a:prstGeom prst="rect">
+            <a:avLst/>
+          </a:prstGeom>
+        </p:spPr>
+      </p:pic>
+      <p:pic>
+        <p:nvPicPr>
+          <p:cNvPr id="13" name="Picture 12" descr="8.png"/>
+          <p:cNvPicPr>
+            <a:picLocks noChangeAspect="1"/>
+          </p:cNvPicPr>
+          <p:nvPr/>
+        </p:nvPicPr>
+        <p:blipFill>
+          <a:blip r:embed="rId10"/>
+          <a:stretch>
+            <a:fillRect/>
+          </a:stretch>
+        </p:blipFill>
+        <p:spPr>
+          <a:xfrm>
+            <a:off x="6086475" y="2211705"/>
+            <a:ext cx="1748790" cy="2057400"/>
+          </a:xfrm>
+          <a:prstGeom prst="rect">
+            <a:avLst/>
+          </a:prstGeom>
+        </p:spPr>
+      </p:pic>
+      <p:pic>
+        <p:nvPicPr>
+          <p:cNvPr id="14" name="Picture 13" descr="9.png"/>
+          <p:cNvPicPr>
+            <a:picLocks noChangeAspect="1"/>
+          </p:cNvPicPr>
+          <p:nvPr/>
+        </p:nvPicPr>
+        <p:blipFill>
+          <a:blip r:embed="rId11"/>
+          <a:stretch>
+            <a:fillRect/>
+          </a:stretch>
+        </p:blipFill>
+        <p:spPr>
+          <a:xfrm>
+            <a:off x="6086475" y="4989195"/>
+            <a:ext cx="2400300" cy="377190"/>
+          </a:xfrm>
+          <a:prstGeom prst="rect">
+            <a:avLst/>
+          </a:prstGeom>
+        </p:spPr>
+      </p:pic>
+      <p:pic>
+        <p:nvPicPr>
+          <p:cNvPr id="15" name="Picture 14" descr="10.png"/>
+          <p:cNvPicPr>
+            <a:picLocks noChangeAspect="1"/>
+          </p:cNvPicPr>
+          <p:nvPr/>
+        </p:nvPicPr>
+        <p:blipFill>
+          <a:blip r:embed="rId12"/>
+          <a:stretch>
+            <a:fillRect/>
+          </a:stretch>
+        </p:blipFill>
+        <p:spPr>
+          <a:xfrm>
+            <a:off x="6120765" y="4406265"/>
+            <a:ext cx="2263140" cy="480060"/>
+          </a:xfrm>
+          <a:prstGeom prst="rect">
+            <a:avLst/>
+          </a:prstGeom>
+        </p:spPr>
+      </p:pic>
+      <p:pic>
+        <p:nvPicPr>
+          <p:cNvPr id="16" name="Picture 15" descr="11.png"/>
+          <p:cNvPicPr>
+            <a:picLocks noChangeAspect="1"/>
+          </p:cNvPicPr>
+          <p:nvPr/>
+        </p:nvPicPr>
+        <p:blipFill>
+          <a:blip r:embed="rId13"/>
+          <a:stretch>
+            <a:fillRect/>
+          </a:stretch>
+        </p:blipFill>
+        <p:spPr>
+          <a:xfrm>
+            <a:off x="6120765" y="5503545"/>
+            <a:ext cx="1440180" cy="342900"/>
           </a:xfrm>
           <a:prstGeom prst="rect">
             <a:avLst/>

--- a/test.pptx
+++ b/test.pptx
@@ -3200,7 +3200,7 @@
       </p:sp>
       <p:pic>
         <p:nvPicPr>
-          <p:cNvPr id="5" name="Picture 4" descr="bg.jpg"/>
+          <p:cNvPr id="5" name="Picture 4" descr="1.png"/>
           <p:cNvPicPr>
             <a:picLocks noChangeAspect="1"/>
           </p:cNvPicPr>
@@ -3214,17 +3214,17 @@
         </p:blipFill>
         <p:spPr>
           <a:xfrm>
-            <a:off x="0" y="0"/>
-            <a:ext cx="9144000" cy="6858000"/>
-          </a:xfrm>
-          <a:prstGeom prst="rect">
-            <a:avLst/>
-          </a:prstGeom>
-        </p:spPr>
-      </p:pic>
-      <p:pic>
-        <p:nvPicPr>
-          <p:cNvPr id="6" name="Picture 5" descr="1.png"/>
+            <a:off x="7552" y="52870"/>
+            <a:ext cx="513594" cy="438066"/>
+          </a:xfrm>
+          <a:prstGeom prst="rect">
+            <a:avLst/>
+          </a:prstGeom>
+        </p:spPr>
+      </p:pic>
+      <p:pic>
+        <p:nvPicPr>
+          <p:cNvPr id="6" name="Picture 5" descr="2.png"/>
           <p:cNvPicPr>
             <a:picLocks noChangeAspect="1"/>
           </p:cNvPicPr>
@@ -3238,17 +3238,17 @@
         </p:blipFill>
         <p:spPr>
           <a:xfrm>
-            <a:off x="737235" y="497204"/>
-            <a:ext cx="5006340" cy="1131570"/>
-          </a:xfrm>
-          <a:prstGeom prst="rect">
-            <a:avLst/>
-          </a:prstGeom>
-        </p:spPr>
-      </p:pic>
-      <p:pic>
-        <p:nvPicPr>
-          <p:cNvPr id="7" name="Picture 6" descr="2.png"/>
+            <a:off x="913896" y="551359"/>
+            <a:ext cx="3610268" cy="1087612"/>
+          </a:xfrm>
+          <a:prstGeom prst="rect">
+            <a:avLst/>
+          </a:prstGeom>
+        </p:spPr>
+      </p:pic>
+      <p:pic>
+        <p:nvPicPr>
+          <p:cNvPr id="7" name="Picture 6" descr="3.png"/>
           <p:cNvPicPr>
             <a:picLocks noChangeAspect="1"/>
           </p:cNvPicPr>
@@ -3262,17 +3262,17 @@
         </p:blipFill>
         <p:spPr>
           <a:xfrm>
-            <a:off x="771525" y="4200525"/>
-            <a:ext cx="3360420" cy="891540"/>
-          </a:xfrm>
-          <a:prstGeom prst="rect">
-            <a:avLst/>
-          </a:prstGeom>
-        </p:spPr>
-      </p:pic>
-      <p:pic>
-        <p:nvPicPr>
-          <p:cNvPr id="8" name="Picture 7" descr="3.png"/>
+            <a:off x="913896" y="4388213"/>
+            <a:ext cx="861026" cy="709969"/>
+          </a:xfrm>
+          <a:prstGeom prst="rect">
+            <a:avLst/>
+          </a:prstGeom>
+        </p:spPr>
+      </p:pic>
+      <p:pic>
+        <p:nvPicPr>
+          <p:cNvPr id="8" name="Picture 7" descr="4.png"/>
           <p:cNvPicPr>
             <a:picLocks noChangeAspect="1"/>
           </p:cNvPicPr>
@@ -3286,17 +3286,17 @@
         </p:blipFill>
         <p:spPr>
           <a:xfrm>
-            <a:off x="771525" y="5194935"/>
-            <a:ext cx="1337310" cy="1097280"/>
-          </a:xfrm>
-          <a:prstGeom prst="rect">
-            <a:avLst/>
-          </a:prstGeom>
-        </p:spPr>
-      </p:pic>
-      <p:pic>
-        <p:nvPicPr>
-          <p:cNvPr id="9" name="Picture 8" descr="4.png"/>
+            <a:off x="913896" y="5279451"/>
+            <a:ext cx="3716008" cy="1042295"/>
+          </a:xfrm>
+          <a:prstGeom prst="rect">
+            <a:avLst/>
+          </a:prstGeom>
+        </p:spPr>
+      </p:pic>
+      <p:pic>
+        <p:nvPicPr>
+          <p:cNvPr id="9" name="Picture 8" descr="5.png"/>
           <p:cNvPicPr>
             <a:picLocks noChangeAspect="1"/>
           </p:cNvPicPr>
@@ -3310,17 +3310,17 @@
         </p:blipFill>
         <p:spPr>
           <a:xfrm>
-            <a:off x="1937384" y="5366385"/>
-            <a:ext cx="1645920" cy="205740"/>
-          </a:xfrm>
-          <a:prstGeom prst="rect">
-            <a:avLst/>
-          </a:prstGeom>
-        </p:spPr>
-      </p:pic>
-      <p:pic>
-        <p:nvPicPr>
-          <p:cNvPr id="10" name="Picture 9" descr="5.png"/>
+            <a:off x="1850451" y="4267367"/>
+            <a:ext cx="2160118" cy="679757"/>
+          </a:xfrm>
+          <a:prstGeom prst="rect">
+            <a:avLst/>
+          </a:prstGeom>
+        </p:spPr>
+      </p:pic>
+      <p:pic>
+        <p:nvPicPr>
+          <p:cNvPr id="10" name="Picture 9" descr="6.png"/>
           <p:cNvPicPr>
             <a:picLocks noChangeAspect="1"/>
           </p:cNvPicPr>
@@ -3334,17 +3334,17 @@
         </p:blipFill>
         <p:spPr>
           <a:xfrm>
-            <a:off x="3789045" y="1800225"/>
-            <a:ext cx="2880360" cy="891540"/>
-          </a:xfrm>
-          <a:prstGeom prst="rect">
-            <a:avLst/>
-          </a:prstGeom>
-        </p:spPr>
-      </p:pic>
-      <p:pic>
-        <p:nvPicPr>
-          <p:cNvPr id="11" name="Picture 10" descr="6.png"/>
+            <a:off x="3935041" y="1865557"/>
+            <a:ext cx="2583079" cy="830814"/>
+          </a:xfrm>
+          <a:prstGeom prst="rect">
+            <a:avLst/>
+          </a:prstGeom>
+        </p:spPr>
+      </p:pic>
+      <p:pic>
+        <p:nvPicPr>
+          <p:cNvPr id="11" name="Picture 10" descr="7.png"/>
           <p:cNvPicPr>
             <a:picLocks noChangeAspect="1"/>
           </p:cNvPicPr>
@@ -3358,17 +3358,17 @@
         </p:blipFill>
         <p:spPr>
           <a:xfrm>
-            <a:off x="5777865" y="634365"/>
-            <a:ext cx="2914650" cy="960120"/>
-          </a:xfrm>
-          <a:prstGeom prst="rect">
-            <a:avLst/>
-          </a:prstGeom>
-        </p:spPr>
-      </p:pic>
-      <p:pic>
-        <p:nvPicPr>
-          <p:cNvPr id="12" name="Picture 11" descr="7.png"/>
+            <a:off x="4675222" y="657099"/>
+            <a:ext cx="921449" cy="861026"/>
+          </a:xfrm>
+          <a:prstGeom prst="rect">
+            <a:avLst/>
+          </a:prstGeom>
+        </p:spPr>
+      </p:pic>
+      <p:pic>
+        <p:nvPicPr>
+          <p:cNvPr id="12" name="Picture 11" descr="8.png"/>
           <p:cNvPicPr>
             <a:picLocks noChangeAspect="1"/>
           </p:cNvPicPr>
@@ -3382,8 +3382,32 @@
         </p:blipFill>
         <p:spPr>
           <a:xfrm>
-            <a:off x="6360795" y="3857625"/>
-            <a:ext cx="2160270" cy="2708910"/>
+            <a:off x="5883680" y="732627"/>
+            <a:ext cx="2613290" cy="876132"/>
+          </a:xfrm>
+          <a:prstGeom prst="rect">
+            <a:avLst/>
+          </a:prstGeom>
+        </p:spPr>
+      </p:pic>
+      <p:pic>
+        <p:nvPicPr>
+          <p:cNvPr id="13" name="Picture 12" descr="9.png"/>
+          <p:cNvPicPr>
+            <a:picLocks noChangeAspect="1"/>
+          </p:cNvPicPr>
+          <p:nvPr/>
+        </p:nvPicPr>
+        <p:blipFill>
+          <a:blip r:embed="rId10"/>
+          <a:stretch>
+            <a:fillRect/>
+          </a:stretch>
+        </p:blipFill>
+        <p:spPr>
+          <a:xfrm>
+            <a:off x="6457698" y="3935041"/>
+            <a:ext cx="1903321" cy="2658607"/>
           </a:xfrm>
           <a:prstGeom prst="rect">
             <a:avLst/>
@@ -3456,7 +3480,7 @@
       </p:sp>
       <p:pic>
         <p:nvPicPr>
-          <p:cNvPr id="5" name="Picture 4" descr="bg.jpg"/>
+          <p:cNvPr id="5" name="Picture 4" descr="1.png"/>
           <p:cNvPicPr>
             <a:picLocks noChangeAspect="1"/>
           </p:cNvPicPr>
@@ -3470,17 +3494,17 @@
         </p:blipFill>
         <p:spPr>
           <a:xfrm>
-            <a:off x="0" y="0"/>
-            <a:ext cx="9144000" cy="6858000"/>
-          </a:xfrm>
-          <a:prstGeom prst="rect">
-            <a:avLst/>
-          </a:prstGeom>
-        </p:spPr>
-      </p:pic>
-      <p:pic>
-        <p:nvPicPr>
-          <p:cNvPr id="6" name="Picture 5" descr="1.png"/>
+            <a:off x="7552" y="7552"/>
+            <a:ext cx="468277" cy="438066"/>
+          </a:xfrm>
+          <a:prstGeom prst="rect">
+            <a:avLst/>
+          </a:prstGeom>
+        </p:spPr>
+      </p:pic>
+      <p:pic>
+        <p:nvPicPr>
+          <p:cNvPr id="6" name="Picture 5" descr="2.png"/>
           <p:cNvPicPr>
             <a:picLocks noChangeAspect="1"/>
           </p:cNvPicPr>
@@ -3494,17 +3518,17 @@
         </p:blipFill>
         <p:spPr>
           <a:xfrm>
-            <a:off x="462915" y="2657475"/>
-            <a:ext cx="4834890" cy="925830"/>
-          </a:xfrm>
-          <a:prstGeom prst="rect">
-            <a:avLst/>
-          </a:prstGeom>
-        </p:spPr>
-      </p:pic>
-      <p:pic>
-        <p:nvPicPr>
-          <p:cNvPr id="7" name="Picture 6" descr="2.png"/>
+            <a:off x="566464" y="506041"/>
+            <a:ext cx="3429000" cy="694863"/>
+          </a:xfrm>
+          <a:prstGeom prst="rect">
+            <a:avLst/>
+          </a:prstGeom>
+        </p:spPr>
+      </p:pic>
+      <p:pic>
+        <p:nvPicPr>
+          <p:cNvPr id="7" name="Picture 6" descr="3.png"/>
           <p:cNvPicPr>
             <a:picLocks noChangeAspect="1"/>
           </p:cNvPicPr>
@@ -3518,8 +3542,152 @@
         </p:blipFill>
         <p:spPr>
           <a:xfrm>
-            <a:off x="497204" y="1697355"/>
-            <a:ext cx="5006340" cy="822960"/>
+            <a:off x="566464" y="2938063"/>
+            <a:ext cx="287008" cy="151057"/>
+          </a:xfrm>
+          <a:prstGeom prst="rect">
+            <a:avLst/>
+          </a:prstGeom>
+        </p:spPr>
+      </p:pic>
+      <p:pic>
+        <p:nvPicPr>
+          <p:cNvPr id="8" name="Picture 7" descr="4.png"/>
+          <p:cNvPicPr>
+            <a:picLocks noChangeAspect="1"/>
+          </p:cNvPicPr>
+          <p:nvPr/>
+        </p:nvPicPr>
+        <p:blipFill>
+          <a:blip r:embed="rId5"/>
+          <a:stretch>
+            <a:fillRect/>
+          </a:stretch>
+        </p:blipFill>
+        <p:spPr>
+          <a:xfrm>
+            <a:off x="581570" y="1835345"/>
+            <a:ext cx="4758303" cy="483383"/>
+          </a:xfrm>
+          <a:prstGeom prst="rect">
+            <a:avLst/>
+          </a:prstGeom>
+        </p:spPr>
+      </p:pic>
+      <p:pic>
+        <p:nvPicPr>
+          <p:cNvPr id="9" name="Picture 8" descr="5.png"/>
+          <p:cNvPicPr>
+            <a:picLocks noChangeAspect="1"/>
+          </p:cNvPicPr>
+          <p:nvPr/>
+        </p:nvPicPr>
+        <p:blipFill>
+          <a:blip r:embed="rId6"/>
+          <a:stretch>
+            <a:fillRect/>
+          </a:stretch>
+        </p:blipFill>
+        <p:spPr>
+          <a:xfrm>
+            <a:off x="838367" y="2787006"/>
+            <a:ext cx="4305132" cy="861026"/>
+          </a:xfrm>
+          <a:prstGeom prst="rect">
+            <a:avLst/>
+          </a:prstGeom>
+        </p:spPr>
+      </p:pic>
+      <p:pic>
+        <p:nvPicPr>
+          <p:cNvPr id="10" name="Picture 9" descr="6.png"/>
+          <p:cNvPicPr>
+            <a:picLocks noChangeAspect="1"/>
+          </p:cNvPicPr>
+          <p:nvPr/>
+        </p:nvPicPr>
+        <p:blipFill>
+          <a:blip r:embed="rId7"/>
+          <a:stretch>
+            <a:fillRect/>
+          </a:stretch>
+        </p:blipFill>
+        <p:spPr>
+          <a:xfrm>
+            <a:off x="868579" y="2212988"/>
+            <a:ext cx="770392" cy="317220"/>
+          </a:xfrm>
+          <a:prstGeom prst="rect">
+            <a:avLst/>
+          </a:prstGeom>
+        </p:spPr>
+      </p:pic>
+      <p:pic>
+        <p:nvPicPr>
+          <p:cNvPr id="11" name="Picture 10" descr="7.png"/>
+          <p:cNvPicPr>
+            <a:picLocks noChangeAspect="1"/>
+          </p:cNvPicPr>
+          <p:nvPr/>
+        </p:nvPicPr>
+        <p:blipFill>
+          <a:blip r:embed="rId8"/>
+          <a:stretch>
+            <a:fillRect/>
+          </a:stretch>
+        </p:blipFill>
+        <p:spPr>
+          <a:xfrm>
+            <a:off x="1654077" y="2212988"/>
+            <a:ext cx="1148035" cy="377643"/>
+          </a:xfrm>
+          <a:prstGeom prst="rect">
+            <a:avLst/>
+          </a:prstGeom>
+        </p:spPr>
+      </p:pic>
+      <p:pic>
+        <p:nvPicPr>
+          <p:cNvPr id="12" name="Picture 11" descr="8.png"/>
+          <p:cNvPicPr>
+            <a:picLocks noChangeAspect="1"/>
+          </p:cNvPicPr>
+          <p:nvPr/>
+        </p:nvPicPr>
+        <p:blipFill>
+          <a:blip r:embed="rId9"/>
+          <a:stretch>
+            <a:fillRect/>
+          </a:stretch>
+        </p:blipFill>
+        <p:spPr>
+          <a:xfrm>
+            <a:off x="6925975" y="2409363"/>
+            <a:ext cx="1993955" cy="4078546"/>
+          </a:xfrm>
+          <a:prstGeom prst="rect">
+            <a:avLst/>
+          </a:prstGeom>
+        </p:spPr>
+      </p:pic>
+      <p:pic>
+        <p:nvPicPr>
+          <p:cNvPr id="13" name="Picture 12" descr="9.png"/>
+          <p:cNvPicPr>
+            <a:picLocks noChangeAspect="1"/>
+          </p:cNvPicPr>
+          <p:nvPr/>
+        </p:nvPicPr>
+        <p:blipFill>
+          <a:blip r:embed="rId10"/>
+          <a:stretch>
+            <a:fillRect/>
+          </a:stretch>
+        </p:blipFill>
+        <p:spPr>
+          <a:xfrm>
+            <a:off x="7817213" y="4614799"/>
+            <a:ext cx="392748" cy="226585"/>
           </a:xfrm>
           <a:prstGeom prst="rect">
             <a:avLst/>
@@ -3592,7 +3760,7 @@
       </p:sp>
       <p:pic>
         <p:nvPicPr>
-          <p:cNvPr id="5" name="Picture 4" descr="bg.jpg"/>
+          <p:cNvPr id="5" name="Picture 4" descr="1.png"/>
           <p:cNvPicPr>
             <a:picLocks noChangeAspect="1"/>
           </p:cNvPicPr>
@@ -3606,17 +3774,17 @@
         </p:blipFill>
         <p:spPr>
           <a:xfrm>
-            <a:off x="0" y="0"/>
-            <a:ext cx="9144000" cy="6858000"/>
-          </a:xfrm>
-          <a:prstGeom prst="rect">
-            <a:avLst/>
-          </a:prstGeom>
-        </p:spPr>
-      </p:pic>
-      <p:pic>
-        <p:nvPicPr>
-          <p:cNvPr id="6" name="Picture 5" descr="1.png"/>
+            <a:off x="7552" y="52870"/>
+            <a:ext cx="498488" cy="438066"/>
+          </a:xfrm>
+          <a:prstGeom prst="rect">
+            <a:avLst/>
+          </a:prstGeom>
+        </p:spPr>
+      </p:pic>
+      <p:pic>
+        <p:nvPicPr>
+          <p:cNvPr id="6" name="Picture 5" descr="2.png"/>
           <p:cNvPicPr>
             <a:picLocks noChangeAspect="1"/>
           </p:cNvPicPr>
@@ -3630,17 +3798,17 @@
         </p:blipFill>
         <p:spPr>
           <a:xfrm>
-            <a:off x="702945" y="600075"/>
-            <a:ext cx="3703320" cy="720090"/>
-          </a:xfrm>
-          <a:prstGeom prst="rect">
-            <a:avLst/>
-          </a:prstGeom>
-        </p:spPr>
-      </p:pic>
-      <p:pic>
-        <p:nvPicPr>
-          <p:cNvPr id="7" name="Picture 6" descr="2.png"/>
+            <a:off x="808156" y="5430508"/>
+            <a:ext cx="302114" cy="151057"/>
+          </a:xfrm>
+          <a:prstGeom prst="rect">
+            <a:avLst/>
+          </a:prstGeom>
+        </p:spPr>
+      </p:pic>
+      <p:pic>
+        <p:nvPicPr>
+          <p:cNvPr id="7" name="Picture 6" descr="3.png"/>
           <p:cNvPicPr>
             <a:picLocks noChangeAspect="1"/>
           </p:cNvPicPr>
@@ -3654,17 +3822,17 @@
         </p:blipFill>
         <p:spPr>
           <a:xfrm>
-            <a:off x="702945" y="2005964"/>
-            <a:ext cx="4800600" cy="377190"/>
-          </a:xfrm>
-          <a:prstGeom prst="rect">
-            <a:avLst/>
-          </a:prstGeom>
-        </p:spPr>
-      </p:pic>
-      <p:pic>
-        <p:nvPicPr>
-          <p:cNvPr id="8" name="Picture 7" descr="3.png"/>
+            <a:off x="823262" y="2212988"/>
+            <a:ext cx="287008" cy="135951"/>
+          </a:xfrm>
+          <a:prstGeom prst="rect">
+            <a:avLst/>
+          </a:prstGeom>
+        </p:spPr>
+      </p:pic>
+      <p:pic>
+        <p:nvPicPr>
+          <p:cNvPr id="8" name="Picture 7" descr="4.png"/>
           <p:cNvPicPr>
             <a:picLocks noChangeAspect="1"/>
           </p:cNvPicPr>
@@ -3678,17 +3846,17 @@
         </p:blipFill>
         <p:spPr>
           <a:xfrm>
-            <a:off x="702945" y="5092065"/>
-            <a:ext cx="4800600" cy="582930"/>
-          </a:xfrm>
-          <a:prstGeom prst="rect">
-            <a:avLst/>
-          </a:prstGeom>
-        </p:spPr>
-      </p:pic>
-      <p:pic>
-        <p:nvPicPr>
-          <p:cNvPr id="9" name="Picture 8" descr="4.png"/>
+            <a:off x="838367" y="641993"/>
+            <a:ext cx="3429000" cy="679757"/>
+          </a:xfrm>
+          <a:prstGeom prst="rect">
+            <a:avLst/>
+          </a:prstGeom>
+        </p:spPr>
+      </p:pic>
+      <p:pic>
+        <p:nvPicPr>
+          <p:cNvPr id="9" name="Picture 8" descr="5.png"/>
           <p:cNvPicPr>
             <a:picLocks noChangeAspect="1"/>
           </p:cNvPicPr>
@@ -3702,17 +3870,17 @@
         </p:blipFill>
         <p:spPr>
           <a:xfrm>
-            <a:off x="1251585" y="5674995"/>
-            <a:ext cx="3051810" cy="445770"/>
-          </a:xfrm>
-          <a:prstGeom prst="rect">
-            <a:avLst/>
-          </a:prstGeom>
-        </p:spPr>
-      </p:pic>
-      <p:pic>
-        <p:nvPicPr>
-          <p:cNvPr id="10" name="Picture 9" descr="5.png"/>
+            <a:off x="1216011" y="5264345"/>
+            <a:ext cx="1178246" cy="332325"/>
+          </a:xfrm>
+          <a:prstGeom prst="rect">
+            <a:avLst/>
+          </a:prstGeom>
+        </p:spPr>
+      </p:pic>
+      <p:pic>
+        <p:nvPicPr>
+          <p:cNvPr id="10" name="Picture 9" descr="6.png"/>
           <p:cNvPicPr>
             <a:picLocks noChangeAspect="1"/>
           </p:cNvPicPr>
@@ -3726,17 +3894,17 @@
         </p:blipFill>
         <p:spPr>
           <a:xfrm>
-            <a:off x="1457325" y="3514724"/>
-            <a:ext cx="5657850" cy="1268730"/>
-          </a:xfrm>
-          <a:prstGeom prst="rect">
-            <a:avLst/>
-          </a:prstGeom>
-        </p:spPr>
-      </p:pic>
-      <p:pic>
-        <p:nvPicPr>
-          <p:cNvPr id="11" name="Picture 10" descr="6.png"/>
+            <a:off x="1351962" y="2046825"/>
+            <a:ext cx="3081568" cy="347431"/>
+          </a:xfrm>
+          <a:prstGeom prst="rect">
+            <a:avLst/>
+          </a:prstGeom>
+        </p:spPr>
+      </p:pic>
+      <p:pic>
+        <p:nvPicPr>
+          <p:cNvPr id="11" name="Picture 10" descr="7.png"/>
           <p:cNvPicPr>
             <a:picLocks noChangeAspect="1"/>
           </p:cNvPicPr>
@@ -3750,8 +3918,272 @@
         </p:blipFill>
         <p:spPr>
           <a:xfrm>
-            <a:off x="1525905" y="2588895"/>
-            <a:ext cx="5212080" cy="651510"/>
+            <a:off x="1367068" y="5657094"/>
+            <a:ext cx="2809665" cy="438066"/>
+          </a:xfrm>
+          <a:prstGeom prst="rect">
+            <a:avLst/>
+          </a:prstGeom>
+        </p:spPr>
+      </p:pic>
+      <p:pic>
+        <p:nvPicPr>
+          <p:cNvPr id="12" name="Picture 11" descr="8.png"/>
+          <p:cNvPicPr>
+            <a:picLocks noChangeAspect="1"/>
+          </p:cNvPicPr>
+          <p:nvPr/>
+        </p:nvPicPr>
+        <p:blipFill>
+          <a:blip r:embed="rId9"/>
+          <a:stretch>
+            <a:fillRect/>
+          </a:stretch>
+        </p:blipFill>
+        <p:spPr>
+          <a:xfrm>
+            <a:off x="1578548" y="3753773"/>
+            <a:ext cx="483383" cy="211480"/>
+          </a:xfrm>
+          <a:prstGeom prst="rect">
+            <a:avLst/>
+          </a:prstGeom>
+        </p:spPr>
+      </p:pic>
+      <p:pic>
+        <p:nvPicPr>
+          <p:cNvPr id="13" name="Picture 12" descr="9.png"/>
+          <p:cNvPicPr>
+            <a:picLocks noChangeAspect="1"/>
+          </p:cNvPicPr>
+          <p:nvPr/>
+        </p:nvPicPr>
+        <p:blipFill>
+          <a:blip r:embed="rId10"/>
+          <a:stretch>
+            <a:fillRect/>
+          </a:stretch>
+        </p:blipFill>
+        <p:spPr>
+          <a:xfrm>
+            <a:off x="1623865" y="2756795"/>
+            <a:ext cx="453171" cy="226585"/>
+          </a:xfrm>
+          <a:prstGeom prst="rect">
+            <a:avLst/>
+          </a:prstGeom>
+        </p:spPr>
+      </p:pic>
+      <p:pic>
+        <p:nvPicPr>
+          <p:cNvPr id="14" name="Picture 13" descr="10.png"/>
+          <p:cNvPicPr>
+            <a:picLocks noChangeAspect="1"/>
+          </p:cNvPicPr>
+          <p:nvPr/>
+        </p:nvPicPr>
+        <p:blipFill>
+          <a:blip r:embed="rId11"/>
+          <a:stretch>
+            <a:fillRect/>
+          </a:stretch>
+        </p:blipFill>
+        <p:spPr>
+          <a:xfrm>
+            <a:off x="2107248" y="3663138"/>
+            <a:ext cx="2432022" cy="332325"/>
+          </a:xfrm>
+          <a:prstGeom prst="rect">
+            <a:avLst/>
+          </a:prstGeom>
+        </p:spPr>
+      </p:pic>
+      <p:pic>
+        <p:nvPicPr>
+          <p:cNvPr id="15" name="Picture 14" descr="11.png"/>
+          <p:cNvPicPr>
+            <a:picLocks noChangeAspect="1"/>
+          </p:cNvPicPr>
+          <p:nvPr/>
+        </p:nvPicPr>
+        <p:blipFill>
+          <a:blip r:embed="rId12"/>
+          <a:stretch>
+            <a:fillRect/>
+          </a:stretch>
+        </p:blipFill>
+        <p:spPr>
+          <a:xfrm>
+            <a:off x="2107248" y="4025676"/>
+            <a:ext cx="2537762" cy="317220"/>
+          </a:xfrm>
+          <a:prstGeom prst="rect">
+            <a:avLst/>
+          </a:prstGeom>
+        </p:spPr>
+      </p:pic>
+      <p:pic>
+        <p:nvPicPr>
+          <p:cNvPr id="16" name="Picture 15" descr="12.png"/>
+          <p:cNvPicPr>
+            <a:picLocks noChangeAspect="1"/>
+          </p:cNvPicPr>
+          <p:nvPr/>
+        </p:nvPicPr>
+        <p:blipFill>
+          <a:blip r:embed="rId13"/>
+          <a:stretch>
+            <a:fillRect/>
+          </a:stretch>
+        </p:blipFill>
+        <p:spPr>
+          <a:xfrm>
+            <a:off x="2122354" y="2605737"/>
+            <a:ext cx="4486400" cy="619334"/>
+          </a:xfrm>
+          <a:prstGeom prst="rect">
+            <a:avLst/>
+          </a:prstGeom>
+        </p:spPr>
+      </p:pic>
+      <p:pic>
+        <p:nvPicPr>
+          <p:cNvPr id="17" name="Picture 16" descr="13.png"/>
+          <p:cNvPicPr>
+            <a:picLocks noChangeAspect="1"/>
+          </p:cNvPicPr>
+          <p:nvPr/>
+        </p:nvPicPr>
+        <p:blipFill>
+          <a:blip r:embed="rId14"/>
+          <a:stretch>
+            <a:fillRect/>
+          </a:stretch>
+        </p:blipFill>
+        <p:spPr>
+          <a:xfrm>
+            <a:off x="2122354" y="4388213"/>
+            <a:ext cx="1540784" cy="377643"/>
+          </a:xfrm>
+          <a:prstGeom prst="rect">
+            <a:avLst/>
+          </a:prstGeom>
+        </p:spPr>
+      </p:pic>
+      <p:pic>
+        <p:nvPicPr>
+          <p:cNvPr id="18" name="Picture 17" descr="14.png"/>
+          <p:cNvPicPr>
+            <a:picLocks noChangeAspect="1"/>
+          </p:cNvPicPr>
+          <p:nvPr/>
+        </p:nvPicPr>
+        <p:blipFill>
+          <a:blip r:embed="rId15"/>
+          <a:stretch>
+            <a:fillRect/>
+          </a:stretch>
+        </p:blipFill>
+        <p:spPr>
+          <a:xfrm>
+            <a:off x="2439574" y="5173711"/>
+            <a:ext cx="1389726" cy="468277"/>
+          </a:xfrm>
+          <a:prstGeom prst="rect">
+            <a:avLst/>
+          </a:prstGeom>
+        </p:spPr>
+      </p:pic>
+      <p:pic>
+        <p:nvPicPr>
+          <p:cNvPr id="19" name="Picture 18" descr="15.png"/>
+          <p:cNvPicPr>
+            <a:picLocks noChangeAspect="1"/>
+          </p:cNvPicPr>
+          <p:nvPr/>
+        </p:nvPicPr>
+        <p:blipFill>
+          <a:blip r:embed="rId16"/>
+          <a:stretch>
+            <a:fillRect/>
+          </a:stretch>
+        </p:blipFill>
+        <p:spPr>
+          <a:xfrm>
+            <a:off x="3874618" y="5234134"/>
+            <a:ext cx="362537" cy="256797"/>
+          </a:xfrm>
+          <a:prstGeom prst="rect">
+            <a:avLst/>
+          </a:prstGeom>
+        </p:spPr>
+      </p:pic>
+      <p:pic>
+        <p:nvPicPr>
+          <p:cNvPr id="20" name="Picture 19" descr="16.png"/>
+          <p:cNvPicPr>
+            <a:picLocks noChangeAspect="1"/>
+          </p:cNvPicPr>
+          <p:nvPr/>
+        </p:nvPicPr>
+        <p:blipFill>
+          <a:blip r:embed="rId17"/>
+          <a:stretch>
+            <a:fillRect/>
+          </a:stretch>
+        </p:blipFill>
+        <p:spPr>
+          <a:xfrm>
+            <a:off x="4282473" y="5083077"/>
+            <a:ext cx="1087612" cy="407854"/>
+          </a:xfrm>
+          <a:prstGeom prst="rect">
+            <a:avLst/>
+          </a:prstGeom>
+        </p:spPr>
+      </p:pic>
+      <p:pic>
+        <p:nvPicPr>
+          <p:cNvPr id="21" name="Picture 20" descr="17.png"/>
+          <p:cNvPicPr>
+            <a:picLocks noChangeAspect="1"/>
+          </p:cNvPicPr>
+          <p:nvPr/>
+        </p:nvPicPr>
+        <p:blipFill>
+          <a:blip r:embed="rId18"/>
+          <a:stretch>
+            <a:fillRect/>
+          </a:stretch>
+        </p:blipFill>
+        <p:spPr>
+          <a:xfrm>
+            <a:off x="4448636" y="2046825"/>
+            <a:ext cx="921449" cy="332325"/>
+          </a:xfrm>
+          <a:prstGeom prst="rect">
+            <a:avLst/>
+          </a:prstGeom>
+        </p:spPr>
+      </p:pic>
+      <p:pic>
+        <p:nvPicPr>
+          <p:cNvPr id="22" name="Picture 21" descr="18.png"/>
+          <p:cNvPicPr>
+            <a:picLocks noChangeAspect="1"/>
+          </p:cNvPicPr>
+          <p:nvPr/>
+        </p:nvPicPr>
+        <p:blipFill>
+          <a:blip r:embed="rId19"/>
+          <a:stretch>
+            <a:fillRect/>
+          </a:stretch>
+        </p:blipFill>
+        <p:spPr>
+          <a:xfrm>
+            <a:off x="4524165" y="3542292"/>
+            <a:ext cx="2447127" cy="951660"/>
           </a:xfrm>
           <a:prstGeom prst="rect">
             <a:avLst/>
@@ -3824,7 +4256,7 @@
       </p:sp>
       <p:pic>
         <p:nvPicPr>
-          <p:cNvPr id="5" name="Picture 4" descr="bg.jpg"/>
+          <p:cNvPr id="5" name="Picture 4" descr="1.png"/>
           <p:cNvPicPr>
             <a:picLocks noChangeAspect="1"/>
           </p:cNvPicPr>
@@ -3838,17 +4270,17 @@
         </p:blipFill>
         <p:spPr>
           <a:xfrm>
-            <a:off x="0" y="0"/>
-            <a:ext cx="9144000" cy="6858000"/>
-          </a:xfrm>
-          <a:prstGeom prst="rect">
-            <a:avLst/>
-          </a:prstGeom>
-        </p:spPr>
-      </p:pic>
-      <p:pic>
-        <p:nvPicPr>
-          <p:cNvPr id="6" name="Picture 5" descr="1.png"/>
+            <a:off x="7552" y="22658"/>
+            <a:ext cx="483383" cy="438066"/>
+          </a:xfrm>
+          <a:prstGeom prst="rect">
+            <a:avLst/>
+          </a:prstGeom>
+        </p:spPr>
+      </p:pic>
+      <p:pic>
+        <p:nvPicPr>
+          <p:cNvPr id="6" name="Picture 5" descr="2.png"/>
           <p:cNvPicPr>
             <a:picLocks noChangeAspect="1"/>
           </p:cNvPicPr>
@@ -3862,17 +4294,17 @@
         </p:blipFill>
         <p:spPr>
           <a:xfrm>
-            <a:off x="668655" y="805815"/>
-            <a:ext cx="5212080" cy="720090"/>
-          </a:xfrm>
-          <a:prstGeom prst="rect">
-            <a:avLst/>
-          </a:prstGeom>
-        </p:spPr>
-      </p:pic>
-      <p:pic>
-        <p:nvPicPr>
-          <p:cNvPr id="7" name="Picture 6" descr="2.png"/>
+            <a:off x="793050" y="883685"/>
+            <a:ext cx="1586101" cy="604229"/>
+          </a:xfrm>
+          <a:prstGeom prst="rect">
+            <a:avLst/>
+          </a:prstGeom>
+        </p:spPr>
+      </p:pic>
+      <p:pic>
+        <p:nvPicPr>
+          <p:cNvPr id="7" name="Picture 6" descr="3.png"/>
           <p:cNvPicPr>
             <a:picLocks noChangeAspect="1"/>
           </p:cNvPicPr>
@@ -3886,17 +4318,17 @@
         </p:blipFill>
         <p:spPr>
           <a:xfrm>
-            <a:off x="668655" y="4440555"/>
-            <a:ext cx="2331720" cy="411480"/>
-          </a:xfrm>
-          <a:prstGeom prst="rect">
-            <a:avLst/>
-          </a:prstGeom>
-        </p:spPr>
-      </p:pic>
-      <p:pic>
-        <p:nvPicPr>
-          <p:cNvPr id="8" name="Picture 7" descr="3.png"/>
+            <a:off x="793050" y="5052865"/>
+            <a:ext cx="2114801" cy="422960"/>
+          </a:xfrm>
+          <a:prstGeom prst="rect">
+            <a:avLst/>
+          </a:prstGeom>
+        </p:spPr>
+      </p:pic>
+      <p:pic>
+        <p:nvPicPr>
+          <p:cNvPr id="8" name="Picture 7" descr="4.png"/>
           <p:cNvPicPr>
             <a:picLocks noChangeAspect="1"/>
           </p:cNvPicPr>
@@ -3910,17 +4342,17 @@
         </p:blipFill>
         <p:spPr>
           <a:xfrm>
-            <a:off x="668655" y="4989195"/>
-            <a:ext cx="2366010" cy="480060"/>
-          </a:xfrm>
-          <a:prstGeom prst="rect">
-            <a:avLst/>
-          </a:prstGeom>
-        </p:spPr>
-      </p:pic>
-      <p:pic>
-        <p:nvPicPr>
-          <p:cNvPr id="9" name="Picture 8" descr="4.png"/>
+            <a:off x="808156" y="4524165"/>
+            <a:ext cx="2024167" cy="347431"/>
+          </a:xfrm>
+          <a:prstGeom prst="rect">
+            <a:avLst/>
+          </a:prstGeom>
+        </p:spPr>
+      </p:pic>
+      <p:pic>
+        <p:nvPicPr>
+          <p:cNvPr id="9" name="Picture 8" descr="5.png"/>
           <p:cNvPicPr>
             <a:picLocks noChangeAspect="1"/>
           </p:cNvPicPr>
@@ -3934,17 +4366,17 @@
         </p:blipFill>
         <p:spPr>
           <a:xfrm>
-            <a:off x="702945" y="2245995"/>
-            <a:ext cx="1474470" cy="1954529"/>
-          </a:xfrm>
-          <a:prstGeom prst="rect">
-            <a:avLst/>
-          </a:prstGeom>
-        </p:spPr>
-      </p:pic>
-      <p:pic>
-        <p:nvPicPr>
-          <p:cNvPr id="10" name="Picture 9" descr="5.png"/>
+            <a:off x="823262" y="2333834"/>
+            <a:ext cx="1193352" cy="1888215"/>
+          </a:xfrm>
+          <a:prstGeom prst="rect">
+            <a:avLst/>
+          </a:prstGeom>
+        </p:spPr>
+      </p:pic>
+      <p:pic>
+        <p:nvPicPr>
+          <p:cNvPr id="10" name="Picture 9" descr="6.png"/>
           <p:cNvPicPr>
             <a:picLocks noChangeAspect="1"/>
           </p:cNvPicPr>
@@ -3958,17 +4390,17 @@
         </p:blipFill>
         <p:spPr>
           <a:xfrm>
-            <a:off x="3171825" y="2280285"/>
-            <a:ext cx="1748790" cy="1920240"/>
-          </a:xfrm>
-          <a:prstGeom prst="rect">
-            <a:avLst/>
-          </a:prstGeom>
-        </p:spPr>
-      </p:pic>
-      <p:pic>
-        <p:nvPicPr>
-          <p:cNvPr id="11" name="Picture 10" descr="6.png"/>
+            <a:off x="2605737" y="4796068"/>
+            <a:ext cx="241691" cy="75528"/>
+          </a:xfrm>
+          <a:prstGeom prst="rect">
+            <a:avLst/>
+          </a:prstGeom>
+        </p:spPr>
+      </p:pic>
+      <p:pic>
+        <p:nvPicPr>
+          <p:cNvPr id="11" name="Picture 10" descr="7.png"/>
           <p:cNvPicPr>
             <a:picLocks noChangeAspect="1"/>
           </p:cNvPicPr>
@@ -3982,17 +4414,17 @@
         </p:blipFill>
         <p:spPr>
           <a:xfrm>
-            <a:off x="3274695" y="4954905"/>
-            <a:ext cx="2743200" cy="1028700"/>
-          </a:xfrm>
-          <a:prstGeom prst="rect">
-            <a:avLst/>
-          </a:prstGeom>
-        </p:spPr>
-      </p:pic>
-      <p:pic>
-        <p:nvPicPr>
-          <p:cNvPr id="12" name="Picture 11" descr="7.png"/>
+            <a:off x="2635949" y="929002"/>
+            <a:ext cx="709969" cy="619334"/>
+          </a:xfrm>
+          <a:prstGeom prst="rect">
+            <a:avLst/>
+          </a:prstGeom>
+        </p:spPr>
+      </p:pic>
+      <p:pic>
+        <p:nvPicPr>
+          <p:cNvPr id="12" name="Picture 11" descr="8.png"/>
           <p:cNvPicPr>
             <a:picLocks noChangeAspect="1"/>
           </p:cNvPicPr>
@@ -4006,17 +4438,17 @@
         </p:blipFill>
         <p:spPr>
           <a:xfrm>
-            <a:off x="3308985" y="4406265"/>
-            <a:ext cx="2777490" cy="514350"/>
-          </a:xfrm>
-          <a:prstGeom prst="rect">
-            <a:avLst/>
-          </a:prstGeom>
-        </p:spPr>
-      </p:pic>
-      <p:pic>
-        <p:nvPicPr>
-          <p:cNvPr id="13" name="Picture 12" descr="8.png"/>
+            <a:off x="3285495" y="2348940"/>
+            <a:ext cx="1480361" cy="1873110"/>
+          </a:xfrm>
+          <a:prstGeom prst="rect">
+            <a:avLst/>
+          </a:prstGeom>
+        </p:spPr>
+      </p:pic>
+      <p:pic>
+        <p:nvPicPr>
+          <p:cNvPr id="13" name="Picture 12" descr="9.png"/>
           <p:cNvPicPr>
             <a:picLocks noChangeAspect="1"/>
           </p:cNvPicPr>
@@ -4030,17 +4462,17 @@
         </p:blipFill>
         <p:spPr>
           <a:xfrm>
-            <a:off x="6086475" y="2211705"/>
-            <a:ext cx="1748790" cy="2057400"/>
-          </a:xfrm>
-          <a:prstGeom prst="rect">
-            <a:avLst/>
-          </a:prstGeom>
-        </p:spPr>
-      </p:pic>
-      <p:pic>
-        <p:nvPicPr>
-          <p:cNvPr id="14" name="Picture 13" descr="9.png"/>
+            <a:off x="3391235" y="5173711"/>
+            <a:ext cx="302114" cy="135951"/>
+          </a:xfrm>
+          <a:prstGeom prst="rect">
+            <a:avLst/>
+          </a:prstGeom>
+        </p:spPr>
+      </p:pic>
+      <p:pic>
+        <p:nvPicPr>
+          <p:cNvPr id="14" name="Picture 13" descr="10.png"/>
           <p:cNvPicPr>
             <a:picLocks noChangeAspect="1"/>
           </p:cNvPicPr>
@@ -4054,17 +4486,17 @@
         </p:blipFill>
         <p:spPr>
           <a:xfrm>
-            <a:off x="6086475" y="4989195"/>
-            <a:ext cx="2400300" cy="377190"/>
-          </a:xfrm>
-          <a:prstGeom prst="rect">
-            <a:avLst/>
-          </a:prstGeom>
-        </p:spPr>
-      </p:pic>
-      <p:pic>
-        <p:nvPicPr>
-          <p:cNvPr id="15" name="Picture 14" descr="10.png"/>
+            <a:off x="3391235" y="5687306"/>
+            <a:ext cx="302114" cy="151057"/>
+          </a:xfrm>
+          <a:prstGeom prst="rect">
+            <a:avLst/>
+          </a:prstGeom>
+        </p:spPr>
+      </p:pic>
+      <p:pic>
+        <p:nvPicPr>
+          <p:cNvPr id="15" name="Picture 14" descr="11.png"/>
           <p:cNvPicPr>
             <a:picLocks noChangeAspect="1"/>
           </p:cNvPicPr>
@@ -4078,17 +4510,17 @@
         </p:blipFill>
         <p:spPr>
           <a:xfrm>
-            <a:off x="6120765" y="4406265"/>
-            <a:ext cx="2263140" cy="480060"/>
-          </a:xfrm>
-          <a:prstGeom prst="rect">
-            <a:avLst/>
-          </a:prstGeom>
-        </p:spPr>
-      </p:pic>
-      <p:pic>
-        <p:nvPicPr>
-          <p:cNvPr id="16" name="Picture 15" descr="11.png"/>
+            <a:off x="3421447" y="4478848"/>
+            <a:ext cx="2492444" cy="453171"/>
+          </a:xfrm>
+          <a:prstGeom prst="rect">
+            <a:avLst/>
+          </a:prstGeom>
+        </p:spPr>
+      </p:pic>
+      <p:pic>
+        <p:nvPicPr>
+          <p:cNvPr id="16" name="Picture 15" descr="12.png"/>
           <p:cNvPicPr>
             <a:picLocks noChangeAspect="1"/>
           </p:cNvPicPr>
@@ -4102,8 +4534,152 @@
         </p:blipFill>
         <p:spPr>
           <a:xfrm>
-            <a:off x="6120765" y="5503545"/>
-            <a:ext cx="1440180" cy="342900"/>
+            <a:off x="3542292" y="883685"/>
+            <a:ext cx="2175224" cy="679757"/>
+          </a:xfrm>
+          <a:prstGeom prst="rect">
+            <a:avLst/>
+          </a:prstGeom>
+        </p:spPr>
+      </p:pic>
+      <p:pic>
+        <p:nvPicPr>
+          <p:cNvPr id="17" name="Picture 16" descr="13.png"/>
+          <p:cNvPicPr>
+            <a:picLocks noChangeAspect="1"/>
+          </p:cNvPicPr>
+          <p:nvPr/>
+        </p:nvPicPr>
+        <p:blipFill>
+          <a:blip r:embed="rId14"/>
+          <a:stretch>
+            <a:fillRect/>
+          </a:stretch>
+        </p:blipFill>
+        <p:spPr>
+          <a:xfrm>
+            <a:off x="3678244" y="5551354"/>
+            <a:ext cx="1812687" cy="438066"/>
+          </a:xfrm>
+          <a:prstGeom prst="rect">
+            <a:avLst/>
+          </a:prstGeom>
+        </p:spPr>
+      </p:pic>
+      <p:pic>
+        <p:nvPicPr>
+          <p:cNvPr id="18" name="Picture 17" descr="14.png"/>
+          <p:cNvPicPr>
+            <a:picLocks noChangeAspect="1"/>
+          </p:cNvPicPr>
+          <p:nvPr/>
+        </p:nvPicPr>
+        <p:blipFill>
+          <a:blip r:embed="rId15"/>
+          <a:stretch>
+            <a:fillRect/>
+          </a:stretch>
+        </p:blipFill>
+        <p:spPr>
+          <a:xfrm>
+            <a:off x="3708455" y="5022654"/>
+            <a:ext cx="2160118" cy="468277"/>
+          </a:xfrm>
+          <a:prstGeom prst="rect">
+            <a:avLst/>
+          </a:prstGeom>
+        </p:spPr>
+      </p:pic>
+      <p:pic>
+        <p:nvPicPr>
+          <p:cNvPr id="19" name="Picture 18" descr="15.png"/>
+          <p:cNvPicPr>
+            <a:picLocks noChangeAspect="1"/>
+          </p:cNvPicPr>
+          <p:nvPr/>
+        </p:nvPicPr>
+        <p:blipFill>
+          <a:blip r:embed="rId16"/>
+          <a:stretch>
+            <a:fillRect/>
+          </a:stretch>
+        </p:blipFill>
+        <p:spPr>
+          <a:xfrm>
+            <a:off x="6216006" y="2303623"/>
+            <a:ext cx="1450149" cy="1978850"/>
+          </a:xfrm>
+          <a:prstGeom prst="rect">
+            <a:avLst/>
+          </a:prstGeom>
+        </p:spPr>
+      </p:pic>
+      <p:pic>
+        <p:nvPicPr>
+          <p:cNvPr id="20" name="Picture 19" descr="16.png"/>
+          <p:cNvPicPr>
+            <a:picLocks noChangeAspect="1"/>
+          </p:cNvPicPr>
+          <p:nvPr/>
+        </p:nvPicPr>
+        <p:blipFill>
+          <a:blip r:embed="rId17"/>
+          <a:stretch>
+            <a:fillRect/>
+          </a:stretch>
+        </p:blipFill>
+        <p:spPr>
+          <a:xfrm>
+            <a:off x="6216006" y="5067971"/>
+            <a:ext cx="2145013" cy="332325"/>
+          </a:xfrm>
+          <a:prstGeom prst="rect">
+            <a:avLst/>
+          </a:prstGeom>
+        </p:spPr>
+      </p:pic>
+      <p:pic>
+        <p:nvPicPr>
+          <p:cNvPr id="21" name="Picture 20" descr="17.png"/>
+          <p:cNvPicPr>
+            <a:picLocks noChangeAspect="1"/>
+          </p:cNvPicPr>
+          <p:nvPr/>
+        </p:nvPicPr>
+        <p:blipFill>
+          <a:blip r:embed="rId18"/>
+          <a:stretch>
+            <a:fillRect/>
+          </a:stretch>
+        </p:blipFill>
+        <p:spPr>
+          <a:xfrm>
+            <a:off x="6216006" y="5581566"/>
+            <a:ext cx="1178246" cy="271903"/>
+          </a:xfrm>
+          <a:prstGeom prst="rect">
+            <a:avLst/>
+          </a:prstGeom>
+        </p:spPr>
+      </p:pic>
+      <p:pic>
+        <p:nvPicPr>
+          <p:cNvPr id="22" name="Picture 21" descr="18.png"/>
+          <p:cNvPicPr>
+            <a:picLocks noChangeAspect="1"/>
+          </p:cNvPicPr>
+          <p:nvPr/>
+        </p:nvPicPr>
+        <p:blipFill>
+          <a:blip r:embed="rId19"/>
+          <a:stretch>
+            <a:fillRect/>
+          </a:stretch>
+        </p:blipFill>
+        <p:spPr>
+          <a:xfrm>
+            <a:off x="6231112" y="4493953"/>
+            <a:ext cx="1978850" cy="438066"/>
           </a:xfrm>
           <a:prstGeom prst="rect">
             <a:avLst/>
